--- a/project.pptx
+++ b/project.pptx
@@ -109,6 +109,11 @@
       </a:defRPr>
     </a:lvl9pPr>
   </p:defaultTextStyle>
+  <p:extLst>
+    <p:ext uri="{EFAFB233-063F-42B5-8137-9DF3F51BA10A}">
+      <p15:sldGuideLst xmlns:p15="http://schemas.microsoft.com/office/powerpoint/2012/main"/>
+    </p:ext>
+  </p:extLst>
 </p:presentation>
 </file>
 
@@ -3751,31 +3756,6 @@
       </p:grpSpPr>
       <p:sp>
         <p:nvSpPr>
-          <p:cNvPr id="2" name="Заголовок 1">
-            <a:extLst>
-              <a:ext uri="{FF2B5EF4-FFF2-40B4-BE49-F238E27FC236}">
-                <a16:creationId xmlns:a16="http://schemas.microsoft.com/office/drawing/2014/main" id="{D1936490-2496-41AA-AD77-180928345A8D}"/>
-              </a:ext>
-            </a:extLst>
-          </p:cNvPr>
-          <p:cNvSpPr>
-            <a:spLocks noGrp="1"/>
-          </p:cNvSpPr>
-          <p:nvPr>
-            <p:ph type="title"/>
-          </p:nvPr>
-        </p:nvSpPr>
-        <p:spPr/>
-        <p:txBody>
-          <a:bodyPr/>
-          <a:lstStyle/>
-          <a:p>
-            <a:endParaRPr lang="ru-RU" dirty="0"/>
-          </a:p>
-        </p:txBody>
-      </p:sp>
-      <p:sp>
-        <p:nvSpPr>
           <p:cNvPr id="3" name="Объект 2">
             <a:extLst>
               <a:ext uri="{FF2B5EF4-FFF2-40B4-BE49-F238E27FC236}">
@@ -3790,12 +3770,111 @@
             <p:ph idx="1"/>
           </p:nvPr>
         </p:nvSpPr>
-        <p:spPr/>
-        <p:txBody>
-          <a:bodyPr/>
-          <a:lstStyle/>
-          <a:p>
-            <a:endParaRPr lang="ru-RU"/>
+        <p:spPr>
+          <a:xfrm>
+            <a:off x="838200" y="1559718"/>
+            <a:ext cx="10515600" cy="3738564"/>
+          </a:xfrm>
+        </p:spPr>
+        <p:txBody>
+          <a:bodyPr/>
+          <a:lstStyle/>
+          <a:p>
+            <a:pPr marL="0" indent="0">
+              <a:buNone/>
+            </a:pPr>
+            <a:r>
+              <a:rPr lang="ru-RU" dirty="0">
+                <a:latin typeface="Times New Roman" panose="02020603050405020304" pitchFamily="18" charset="0"/>
+                <a:cs typeface="Times New Roman" panose="02020603050405020304" pitchFamily="18" charset="0"/>
+              </a:rPr>
+              <a:t>Для реализации объектов на игровом поле мы использовали такие классы, как: </a:t>
+            </a:r>
+            <a:endParaRPr lang="en-US" dirty="0">
+              <a:latin typeface="Times New Roman" panose="02020603050405020304" pitchFamily="18" charset="0"/>
+              <a:cs typeface="Times New Roman" panose="02020603050405020304" pitchFamily="18" charset="0"/>
+            </a:endParaRPr>
+          </a:p>
+          <a:p>
+            <a:r>
+              <a:rPr lang="en-US" dirty="0">
+                <a:latin typeface="Times New Roman" panose="02020603050405020304" pitchFamily="18" charset="0"/>
+                <a:cs typeface="Times New Roman" panose="02020603050405020304" pitchFamily="18" charset="0"/>
+              </a:rPr>
+              <a:t>Ball</a:t>
+            </a:r>
+          </a:p>
+          <a:p>
+            <a:r>
+              <a:rPr lang="en-US" dirty="0">
+                <a:latin typeface="Times New Roman" panose="02020603050405020304" pitchFamily="18" charset="0"/>
+                <a:cs typeface="Times New Roman" panose="02020603050405020304" pitchFamily="18" charset="0"/>
+              </a:rPr>
+              <a:t>Border</a:t>
+            </a:r>
+            <a:endParaRPr lang="ru-RU" dirty="0">
+              <a:latin typeface="Times New Roman" panose="02020603050405020304" pitchFamily="18" charset="0"/>
+              <a:cs typeface="Times New Roman" panose="02020603050405020304" pitchFamily="18" charset="0"/>
+            </a:endParaRPr>
+          </a:p>
+          <a:p>
+            <a:endParaRPr lang="ru-RU" dirty="0">
+              <a:latin typeface="Times New Roman" panose="02020603050405020304" pitchFamily="18" charset="0"/>
+              <a:cs typeface="Times New Roman" panose="02020603050405020304" pitchFamily="18" charset="0"/>
+            </a:endParaRPr>
+          </a:p>
+          <a:p>
+            <a:pPr marL="0" indent="0">
+              <a:buNone/>
+            </a:pPr>
+            <a:r>
+              <a:rPr lang="ru-RU" dirty="0">
+                <a:latin typeface="Times New Roman" panose="02020603050405020304" pitchFamily="18" charset="0"/>
+                <a:cs typeface="Times New Roman" panose="02020603050405020304" pitchFamily="18" charset="0"/>
+              </a:rPr>
+              <a:t>Класс </a:t>
+            </a:r>
+            <a:r>
+              <a:rPr lang="en-US" dirty="0">
+                <a:latin typeface="Times New Roman" panose="02020603050405020304" pitchFamily="18" charset="0"/>
+                <a:cs typeface="Times New Roman" panose="02020603050405020304" pitchFamily="18" charset="0"/>
+              </a:rPr>
+              <a:t>Ball </a:t>
+            </a:r>
+            <a:r>
+              <a:rPr lang="ru-RU" dirty="0">
+                <a:latin typeface="Times New Roman" panose="02020603050405020304" pitchFamily="18" charset="0"/>
+                <a:cs typeface="Times New Roman" panose="02020603050405020304" pitchFamily="18" charset="0"/>
+              </a:rPr>
+              <a:t>использовался для создания и взаимодействия с шариком, а класс </a:t>
+            </a:r>
+            <a:r>
+              <a:rPr lang="en-US" dirty="0">
+                <a:latin typeface="Times New Roman" panose="02020603050405020304" pitchFamily="18" charset="0"/>
+                <a:cs typeface="Times New Roman" panose="02020603050405020304" pitchFamily="18" charset="0"/>
+              </a:rPr>
+              <a:t>Border</a:t>
+            </a:r>
+            <a:r>
+              <a:rPr lang="ru-RU" dirty="0">
+                <a:latin typeface="Times New Roman" panose="02020603050405020304" pitchFamily="18" charset="0"/>
+                <a:cs typeface="Times New Roman" panose="02020603050405020304" pitchFamily="18" charset="0"/>
+              </a:rPr>
+              <a:t> использовался для создания стен, от которых будет отскакивать шарик</a:t>
+            </a:r>
+            <a:endParaRPr lang="en-US" dirty="0">
+              <a:latin typeface="Times New Roman" panose="02020603050405020304" pitchFamily="18" charset="0"/>
+              <a:cs typeface="Times New Roman" panose="02020603050405020304" pitchFamily="18" charset="0"/>
+            </a:endParaRPr>
+          </a:p>
+          <a:p>
+            <a:pPr marL="0" indent="0">
+              <a:buNone/>
+            </a:pPr>
+            <a:endParaRPr lang="ru-RU" dirty="0">
+              <a:latin typeface="Times New Roman" panose="02020603050405020304" pitchFamily="18" charset="0"/>
+              <a:cs typeface="Times New Roman" panose="02020603050405020304" pitchFamily="18" charset="0"/>
+            </a:endParaRPr>
           </a:p>
         </p:txBody>
       </p:sp>
